--- a/enterprise-data-lake-system/DataLakeExecutivePresentation.pptx
+++ b/enterprise-data-lake-system/DataLakeExecutivePresentation.pptx
@@ -5,28 +5,27 @@
     <p:sldMasterId id="2147483658" r:id="rId1"/>
   </p:sldMasterIdLst>
   <p:notesMasterIdLst>
-    <p:notesMasterId r:id="rId11"/>
+    <p:notesMasterId r:id="rId10"/>
   </p:notesMasterIdLst>
   <p:sldIdLst>
-    <p:sldId id="256" r:id="rId2"/>
-    <p:sldId id="257" r:id="rId3"/>
-    <p:sldId id="258" r:id="rId4"/>
-    <p:sldId id="259" r:id="rId5"/>
-    <p:sldId id="260" r:id="rId6"/>
-    <p:sldId id="261" r:id="rId7"/>
-    <p:sldId id="262" r:id="rId8"/>
-    <p:sldId id="263" r:id="rId9"/>
-    <p:sldId id="264" r:id="rId10"/>
+    <p:sldId id="257" r:id="rId2"/>
+    <p:sldId id="258" r:id="rId3"/>
+    <p:sldId id="259" r:id="rId4"/>
+    <p:sldId id="260" r:id="rId5"/>
+    <p:sldId id="261" r:id="rId6"/>
+    <p:sldId id="262" r:id="rId7"/>
+    <p:sldId id="263" r:id="rId8"/>
+    <p:sldId id="264" r:id="rId9"/>
   </p:sldIdLst>
   <p:sldSz cx="9144000" cy="5143500" type="screen16x9"/>
   <p:notesSz cx="6858000" cy="9144000"/>
   <p:embeddedFontLst>
     <p:embeddedFont>
       <p:font typeface="Open Sans" panose="020B0604020202020204" charset="0"/>
-      <p:regular r:id="rId12"/>
-      <p:bold r:id="rId13"/>
-      <p:italic r:id="rId14"/>
-      <p:boldItalic r:id="rId15"/>
+      <p:regular r:id="rId11"/>
+      <p:bold r:id="rId12"/>
+      <p:italic r:id="rId13"/>
+      <p:boldItalic r:id="rId14"/>
     </p:embeddedFont>
   </p:embeddedFontLst>
   <p:defaultTextStyle>
@@ -712,110 +711,6 @@
   <p:cSld>
     <p:spTree>
       <p:nvGrpSpPr>
-        <p:cNvPr id="1" name="Shape 50"/>
-        <p:cNvGrpSpPr/>
-        <p:nvPr/>
-      </p:nvGrpSpPr>
-      <p:grpSpPr>
-        <a:xfrm>
-          <a:off x="0" y="0"/>
-          <a:ext cx="0" cy="0"/>
-          <a:chOff x="0" y="0"/>
-          <a:chExt cx="0" cy="0"/>
-        </a:xfrm>
-      </p:grpSpPr>
-      <p:sp>
-        <p:nvSpPr>
-          <p:cNvPr id="51" name="Google Shape;51;g70de937195_0_111:notes"/>
-          <p:cNvSpPr>
-            <a:spLocks noGrp="1" noRot="1" noChangeAspect="1"/>
-          </p:cNvSpPr>
-          <p:nvPr>
-            <p:ph type="sldImg" idx="2"/>
-          </p:nvPr>
-        </p:nvSpPr>
-        <p:spPr>
-          <a:xfrm>
-            <a:off x="381000" y="685800"/>
-            <a:ext cx="6096000" cy="3429000"/>
-          </a:xfrm>
-          <a:custGeom>
-            <a:avLst/>
-            <a:gdLst/>
-            <a:ahLst/>
-            <a:cxnLst/>
-            <a:rect l="l" t="t" r="r" b="b"/>
-            <a:pathLst>
-              <a:path w="120000" h="120000" extrusionOk="0">
-                <a:moveTo>
-                  <a:pt x="0" y="0"/>
-                </a:moveTo>
-                <a:lnTo>
-                  <a:pt x="120000" y="0"/>
-                </a:lnTo>
-                <a:lnTo>
-                  <a:pt x="120000" y="120000"/>
-                </a:lnTo>
-                <a:lnTo>
-                  <a:pt x="0" y="120000"/>
-                </a:lnTo>
-                <a:close/>
-              </a:path>
-            </a:pathLst>
-          </a:custGeom>
-        </p:spPr>
-      </p:sp>
-      <p:sp>
-        <p:nvSpPr>
-          <p:cNvPr id="52" name="Google Shape;52;g70de937195_0_111:notes"/>
-          <p:cNvSpPr txBox="1">
-            <a:spLocks noGrp="1"/>
-          </p:cNvSpPr>
-          <p:nvPr>
-            <p:ph type="body" idx="1"/>
-          </p:nvPr>
-        </p:nvSpPr>
-        <p:spPr>
-          <a:xfrm>
-            <a:off x="685800" y="4343400"/>
-            <a:ext cx="5486400" cy="4114800"/>
-          </a:xfrm>
-          <a:prstGeom prst="rect">
-            <a:avLst/>
-          </a:prstGeom>
-        </p:spPr>
-        <p:txBody>
-          <a:bodyPr spcFirstLastPara="1" wrap="square" lIns="91425" tIns="91425" rIns="91425" bIns="91425" anchor="t" anchorCtr="0">
-            <a:noAutofit/>
-          </a:bodyPr>
-          <a:lstStyle/>
-          <a:p>
-            <a:pPr marL="0" lvl="0" indent="0" algn="l" rtl="0">
-              <a:spcBef>
-                <a:spcPts val="0"/>
-              </a:spcBef>
-              <a:spcAft>
-                <a:spcPts val="0"/>
-              </a:spcAft>
-              <a:buNone/>
-            </a:pPr>
-            <a:endParaRPr/>
-          </a:p>
-        </p:txBody>
-      </p:sp>
-    </p:spTree>
-  </p:cSld>
-  <p:clrMapOvr>
-    <a:masterClrMapping/>
-  </p:clrMapOvr>
-</p:notes>
-</file>
-
-<file path=ppt/notesSlides/notesSlide2.xml><?xml version="1.0" encoding="utf-8"?>
-<p:notes xmlns:a="http://schemas.openxmlformats.org/drawingml/2006/main" xmlns:r="http://schemas.openxmlformats.org/officeDocument/2006/relationships" xmlns:p="http://schemas.openxmlformats.org/presentationml/2006/main" showMasterSp="0" showMasterPhAnim="0">
-  <p:cSld>
-    <p:spTree>
-      <p:nvGrpSpPr>
         <p:cNvPr id="1" name="Shape 59"/>
         <p:cNvGrpSpPr/>
         <p:nvPr/>
@@ -915,7 +810,7 @@
 </p:notes>
 </file>
 
-<file path=ppt/notesSlides/notesSlide3.xml><?xml version="1.0" encoding="utf-8"?>
+<file path=ppt/notesSlides/notesSlide2.xml><?xml version="1.0" encoding="utf-8"?>
 <p:notes xmlns:a="http://schemas.openxmlformats.org/drawingml/2006/main" xmlns:r="http://schemas.openxmlformats.org/officeDocument/2006/relationships" xmlns:p="http://schemas.openxmlformats.org/presentationml/2006/main" showMasterSp="0" showMasterPhAnim="0">
   <p:cSld>
     <p:spTree>
@@ -1019,7 +914,7 @@
 </p:notes>
 </file>
 
-<file path=ppt/notesSlides/notesSlide4.xml><?xml version="1.0" encoding="utf-8"?>
+<file path=ppt/notesSlides/notesSlide3.xml><?xml version="1.0" encoding="utf-8"?>
 <p:notes xmlns:a="http://schemas.openxmlformats.org/drawingml/2006/main" xmlns:r="http://schemas.openxmlformats.org/officeDocument/2006/relationships" xmlns:p="http://schemas.openxmlformats.org/presentationml/2006/main" showMasterSp="0" showMasterPhAnim="0">
   <p:cSld>
     <p:spTree>
@@ -1123,7 +1018,7 @@
 </p:notes>
 </file>
 
-<file path=ppt/notesSlides/notesSlide5.xml><?xml version="1.0" encoding="utf-8"?>
+<file path=ppt/notesSlides/notesSlide4.xml><?xml version="1.0" encoding="utf-8"?>
 <p:notes xmlns:a="http://schemas.openxmlformats.org/drawingml/2006/main" xmlns:r="http://schemas.openxmlformats.org/officeDocument/2006/relationships" xmlns:p="http://schemas.openxmlformats.org/presentationml/2006/main" showMasterSp="0" showMasterPhAnim="0">
   <p:cSld>
     <p:spTree>
@@ -1227,7 +1122,7 @@
 </p:notes>
 </file>
 
-<file path=ppt/notesSlides/notesSlide6.xml><?xml version="1.0" encoding="utf-8"?>
+<file path=ppt/notesSlides/notesSlide5.xml><?xml version="1.0" encoding="utf-8"?>
 <p:notes xmlns:a="http://schemas.openxmlformats.org/drawingml/2006/main" xmlns:r="http://schemas.openxmlformats.org/officeDocument/2006/relationships" xmlns:p="http://schemas.openxmlformats.org/presentationml/2006/main" showMasterSp="0" showMasterPhAnim="0">
   <p:cSld>
     <p:spTree>
@@ -1331,7 +1226,7 @@
 </p:notes>
 </file>
 
-<file path=ppt/notesSlides/notesSlide7.xml><?xml version="1.0" encoding="utf-8"?>
+<file path=ppt/notesSlides/notesSlide6.xml><?xml version="1.0" encoding="utf-8"?>
 <p:notes xmlns:a="http://schemas.openxmlformats.org/drawingml/2006/main" xmlns:r="http://schemas.openxmlformats.org/officeDocument/2006/relationships" xmlns:p="http://schemas.openxmlformats.org/presentationml/2006/main" showMasterSp="0" showMasterPhAnim="0">
   <p:cSld>
     <p:spTree>
@@ -1435,7 +1330,7 @@
 </p:notes>
 </file>
 
-<file path=ppt/notesSlides/notesSlide8.xml><?xml version="1.0" encoding="utf-8"?>
+<file path=ppt/notesSlides/notesSlide7.xml><?xml version="1.0" encoding="utf-8"?>
 <p:notes xmlns:a="http://schemas.openxmlformats.org/drawingml/2006/main" xmlns:r="http://schemas.openxmlformats.org/officeDocument/2006/relationships" xmlns:p="http://schemas.openxmlformats.org/presentationml/2006/main" showMasterSp="0" showMasterPhAnim="0">
   <p:cSld>
     <p:spTree>
@@ -1539,7 +1434,7 @@
 </p:notes>
 </file>
 
-<file path=ppt/notesSlides/notesSlide9.xml><?xml version="1.0" encoding="utf-8"?>
+<file path=ppt/notesSlides/notesSlide8.xml><?xml version="1.0" encoding="utf-8"?>
 <p:notes xmlns:a="http://schemas.openxmlformats.org/drawingml/2006/main" xmlns:r="http://schemas.openxmlformats.org/officeDocument/2006/relationships" xmlns:p="http://schemas.openxmlformats.org/presentationml/2006/main" showMasterSp="0" showMasterPhAnim="0">
   <p:cSld>
     <p:spTree>
@@ -8798,255 +8693,6 @@
   <p:cSld>
     <p:spTree>
       <p:nvGrpSpPr>
-        <p:cNvPr id="1" name="Shape 53"/>
-        <p:cNvGrpSpPr/>
-        <p:nvPr/>
-      </p:nvGrpSpPr>
-      <p:grpSpPr>
-        <a:xfrm>
-          <a:off x="0" y="0"/>
-          <a:ext cx="0" cy="0"/>
-          <a:chOff x="0" y="0"/>
-          <a:chExt cx="0" cy="0"/>
-        </a:xfrm>
-      </p:grpSpPr>
-      <p:pic>
-        <p:nvPicPr>
-          <p:cNvPr id="54" name="Google Shape;54;p12"/>
-          <p:cNvPicPr preferRelativeResize="0"/>
-          <p:nvPr/>
-        </p:nvPicPr>
-        <p:blipFill rotWithShape="1">
-          <a:blip r:embed="rId3">
-            <a:alphaModFix/>
-          </a:blip>
-          <a:srcRect l="9957" t="35735" r="10513" b="35787"/>
-          <a:stretch/>
-        </p:blipFill>
-        <p:spPr>
-          <a:xfrm>
-            <a:off x="2963449" y="497350"/>
-            <a:ext cx="3217100" cy="863899"/>
-          </a:xfrm>
-          <a:prstGeom prst="rect">
-            <a:avLst/>
-          </a:prstGeom>
-          <a:noFill/>
-          <a:ln>
-            <a:noFill/>
-          </a:ln>
-        </p:spPr>
-      </p:pic>
-      <p:sp>
-        <p:nvSpPr>
-          <p:cNvPr id="55" name="Google Shape;55;p12"/>
-          <p:cNvSpPr txBox="1">
-            <a:spLocks noGrp="1"/>
-          </p:cNvSpPr>
-          <p:nvPr>
-            <p:ph type="title"/>
-          </p:nvPr>
-        </p:nvSpPr>
-        <p:spPr>
-          <a:xfrm>
-            <a:off x="2086350" y="2198475"/>
-            <a:ext cx="4886700" cy="572700"/>
-          </a:xfrm>
-          <a:prstGeom prst="rect">
-            <a:avLst/>
-          </a:prstGeom>
-        </p:spPr>
-        <p:txBody>
-          <a:bodyPr spcFirstLastPara="1" wrap="square" lIns="91425" tIns="91425" rIns="91425" bIns="91425" anchor="ctr" anchorCtr="0">
-            <a:noAutofit/>
-          </a:bodyPr>
-          <a:lstStyle/>
-          <a:p>
-            <a:pPr marL="0" lvl="0" indent="0" algn="ctr" rtl="0">
-              <a:lnSpc>
-                <a:spcPct val="200000"/>
-              </a:lnSpc>
-              <a:spcBef>
-                <a:spcPts val="0"/>
-              </a:spcBef>
-              <a:spcAft>
-                <a:spcPts val="0"/>
-              </a:spcAft>
-              <a:buNone/>
-            </a:pPr>
-            <a:r>
-              <a:rPr lang="en" sz="2200"/>
-              <a:t>Data Lake Value Proposition</a:t>
-            </a:r>
-            <a:endParaRPr sz="2200" b="0"/>
-          </a:p>
-        </p:txBody>
-      </p:sp>
-      <p:sp>
-        <p:nvSpPr>
-          <p:cNvPr id="56" name="Google Shape;56;p12"/>
-          <p:cNvSpPr txBox="1">
-            <a:spLocks noGrp="1"/>
-          </p:cNvSpPr>
-          <p:nvPr>
-            <p:ph type="subTitle" idx="1"/>
-          </p:nvPr>
-        </p:nvSpPr>
-        <p:spPr>
-          <a:xfrm>
-            <a:off x="2086350" y="2910325"/>
-            <a:ext cx="4886700" cy="473400"/>
-          </a:xfrm>
-          <a:prstGeom prst="rect">
-            <a:avLst/>
-          </a:prstGeom>
-        </p:spPr>
-        <p:txBody>
-          <a:bodyPr spcFirstLastPara="1" wrap="square" lIns="91425" tIns="91425" rIns="91425" bIns="91425" anchor="t" anchorCtr="0">
-            <a:noAutofit/>
-          </a:bodyPr>
-          <a:lstStyle/>
-          <a:p>
-            <a:pPr marL="0" lvl="0" indent="0" algn="ctr" rtl="0">
-              <a:spcBef>
-                <a:spcPts val="0"/>
-              </a:spcBef>
-              <a:spcAft>
-                <a:spcPts val="0"/>
-              </a:spcAft>
-              <a:buNone/>
-            </a:pPr>
-            <a:r>
-              <a:rPr lang="en" dirty="0"/>
-              <a:t>KIENDT20</a:t>
-            </a:r>
-            <a:endParaRPr dirty="0"/>
-          </a:p>
-        </p:txBody>
-      </p:sp>
-      <p:sp>
-        <p:nvSpPr>
-          <p:cNvPr id="57" name="Google Shape;57;p12"/>
-          <p:cNvSpPr txBox="1"/>
-          <p:nvPr/>
-        </p:nvSpPr>
-        <p:spPr>
-          <a:xfrm>
-            <a:off x="7705200" y="4829825"/>
-            <a:ext cx="1564800" cy="161400"/>
-          </a:xfrm>
-          <a:prstGeom prst="rect">
-            <a:avLst/>
-          </a:prstGeom>
-          <a:noFill/>
-          <a:ln>
-            <a:noFill/>
-          </a:ln>
-        </p:spPr>
-        <p:txBody>
-          <a:bodyPr spcFirstLastPara="1" wrap="square" lIns="91425" tIns="91425" rIns="91425" bIns="91425" anchor="t" anchorCtr="0">
-            <a:noAutofit/>
-          </a:bodyPr>
-          <a:lstStyle/>
-          <a:p>
-            <a:pPr marL="0" lvl="0" indent="0" algn="l" rtl="0">
-              <a:spcBef>
-                <a:spcPts val="0"/>
-              </a:spcBef>
-              <a:spcAft>
-                <a:spcPts val="0"/>
-              </a:spcAft>
-              <a:buNone/>
-            </a:pPr>
-            <a:r>
-              <a:rPr lang="en" sz="800">
-                <a:solidFill>
-                  <a:srgbClr val="999999"/>
-                </a:solidFill>
-                <a:latin typeface="Open Sans"/>
-                <a:ea typeface="Open Sans"/>
-                <a:cs typeface="Open Sans"/>
-                <a:sym typeface="Open Sans"/>
-              </a:rPr>
-              <a:t>Udacity IPS Version 1.0</a:t>
-            </a:r>
-            <a:endParaRPr sz="800">
-              <a:solidFill>
-                <a:srgbClr val="999999"/>
-              </a:solidFill>
-              <a:latin typeface="Open Sans"/>
-              <a:ea typeface="Open Sans"/>
-              <a:cs typeface="Open Sans"/>
-              <a:sym typeface="Open Sans"/>
-            </a:endParaRPr>
-          </a:p>
-        </p:txBody>
-      </p:sp>
-      <p:sp>
-        <p:nvSpPr>
-          <p:cNvPr id="58" name="Google Shape;58;p12"/>
-          <p:cNvSpPr txBox="1"/>
-          <p:nvPr/>
-        </p:nvSpPr>
-        <p:spPr>
-          <a:xfrm>
-            <a:off x="2110150" y="2505800"/>
-            <a:ext cx="4886700" cy="253500"/>
-          </a:xfrm>
-          <a:prstGeom prst="rect">
-            <a:avLst/>
-          </a:prstGeom>
-          <a:noFill/>
-          <a:ln>
-            <a:noFill/>
-          </a:ln>
-        </p:spPr>
-        <p:txBody>
-          <a:bodyPr spcFirstLastPara="1" wrap="square" lIns="91425" tIns="91425" rIns="91425" bIns="91425" anchor="t" anchorCtr="0">
-            <a:noAutofit/>
-          </a:bodyPr>
-          <a:lstStyle/>
-          <a:p>
-            <a:pPr marL="0" lvl="0" indent="0" algn="ctr" rtl="0">
-              <a:spcBef>
-                <a:spcPts val="0"/>
-              </a:spcBef>
-              <a:spcAft>
-                <a:spcPts val="0"/>
-              </a:spcAft>
-              <a:buNone/>
-            </a:pPr>
-            <a:r>
-              <a:rPr lang="en">
-                <a:latin typeface="Open Sans"/>
-                <a:ea typeface="Open Sans"/>
-                <a:cs typeface="Open Sans"/>
-                <a:sym typeface="Open Sans"/>
-              </a:rPr>
-              <a:t>Medical Data Processing Company</a:t>
-            </a:r>
-            <a:endParaRPr>
-              <a:latin typeface="Open Sans"/>
-              <a:ea typeface="Open Sans"/>
-              <a:cs typeface="Open Sans"/>
-              <a:sym typeface="Open Sans"/>
-            </a:endParaRPr>
-          </a:p>
-        </p:txBody>
-      </p:sp>
-    </p:spTree>
-  </p:cSld>
-  <p:clrMapOvr>
-    <a:masterClrMapping/>
-  </p:clrMapOvr>
-</p:sld>
-</file>
-
-<file path=ppt/slides/slide2.xml><?xml version="1.0" encoding="utf-8"?>
-<p:sld xmlns:a="http://schemas.openxmlformats.org/drawingml/2006/main" xmlns:r="http://schemas.openxmlformats.org/officeDocument/2006/relationships" xmlns:p="http://schemas.openxmlformats.org/presentationml/2006/main">
-  <p:cSld>
-    <p:spTree>
-      <p:nvGrpSpPr>
         <p:cNvPr id="1" name="Shape 62"/>
         <p:cNvGrpSpPr/>
         <p:nvPr/>
@@ -9286,7 +8932,7 @@
 </p:sld>
 </file>
 
-<file path=ppt/slides/slide3.xml><?xml version="1.0" encoding="utf-8"?>
+<file path=ppt/slides/slide2.xml><?xml version="1.0" encoding="utf-8"?>
 <p:sld xmlns:a="http://schemas.openxmlformats.org/drawingml/2006/main" xmlns:r="http://schemas.openxmlformats.org/officeDocument/2006/relationships" xmlns:p="http://schemas.openxmlformats.org/presentationml/2006/main">
   <p:cSld>
     <p:spTree>
@@ -9437,7 +9083,7 @@
 </p:sld>
 </file>
 
-<file path=ppt/slides/slide4.xml><?xml version="1.0" encoding="utf-8"?>
+<file path=ppt/slides/slide3.xml><?xml version="1.0" encoding="utf-8"?>
 <p:sld xmlns:a="http://schemas.openxmlformats.org/drawingml/2006/main" xmlns:r="http://schemas.openxmlformats.org/officeDocument/2006/relationships" xmlns:p="http://schemas.openxmlformats.org/presentationml/2006/main">
   <p:cSld>
     <p:spTree>
@@ -9479,33 +9125,22 @@
           </a:bodyPr>
           <a:lstStyle/>
           <a:p>
-            <a:pPr marL="457200" lvl="0" indent="-317500" algn="l" rtl="0">
-              <a:spcBef>
-                <a:spcPts val="0"/>
-              </a:spcBef>
-              <a:spcAft>
-                <a:spcPts val="0"/>
-              </a:spcAft>
-              <a:buSzPts val="1400"/>
-              <a:buChar char="●"/>
-            </a:pPr>
+            <a:pPr lvl="0"/>
             <a:r>
               <a:rPr lang="en" b="1" dirty="0"/>
-              <a:t>Ingesttion layer</a:t>
+              <a:t>Ingestion layer:</a:t>
             </a:r>
-            <a:endParaRPr b="1" dirty="0"/>
+            <a:r>
+              <a:rPr lang="en" dirty="0"/>
+              <a:t> </a:t>
+            </a:r>
+            <a:r>
+              <a:rPr lang="en-GB" dirty="0"/>
+              <a:t>extracts data from various sources, such as websites, mobile apps, social media, IoT devices, and existing Data Management systems, is required. </a:t>
+            </a:r>
           </a:p>
           <a:p>
-            <a:pPr marL="457200" lvl="0" indent="-317500" algn="l" rtl="0">
-              <a:spcBef>
-                <a:spcPts val="0"/>
-              </a:spcBef>
-              <a:spcAft>
-                <a:spcPts val="0"/>
-              </a:spcAft>
-              <a:buSzPts val="1400"/>
-              <a:buChar char="●"/>
-            </a:pPr>
+            <a:pPr lvl="0"/>
             <a:r>
               <a:rPr lang="en" b="1" dirty="0"/>
               <a:t>St</a:t>
@@ -9516,37 +9151,28 @@
             </a:r>
             <a:r>
               <a:rPr lang="en-US" b="1" dirty="0"/>
-              <a:t> layer</a:t>
+              <a:t> layer: </a:t>
             </a:r>
-            <a:endParaRPr b="1" dirty="0"/>
+            <a:r>
+              <a:rPr lang="en-GB" dirty="0"/>
+              <a:t>able to store and process raw data and support encryption and compression while remaining cost-effective.</a:t>
+            </a:r>
+            <a:endParaRPr dirty="0"/>
           </a:p>
           <a:p>
-            <a:pPr marL="457200" lvl="0" indent="-317500" algn="l" rtl="0">
-              <a:spcBef>
-                <a:spcPts val="0"/>
-              </a:spcBef>
-              <a:spcAft>
-                <a:spcPts val="0"/>
-              </a:spcAft>
-              <a:buSzPts val="1400"/>
-              <a:buChar char="●"/>
-            </a:pPr>
+            <a:pPr lvl="0"/>
             <a:r>
               <a:rPr lang="en" b="1" dirty="0"/>
-              <a:t>Processing layer</a:t>
+              <a:t>Processing layer: </a:t>
             </a:r>
+            <a:r>
+              <a:rPr lang="en-GB" dirty="0"/>
+              <a:t>using data analytics and machine learning tools to derive valuable insights and move vetted data into a data warehouse.</a:t>
+            </a:r>
+            <a:endParaRPr lang="en" b="1" dirty="0"/>
           </a:p>
           <a:p>
-            <a:pPr marL="457200" lvl="0" indent="-317500" algn="l" rtl="0">
-              <a:spcBef>
-                <a:spcPts val="0"/>
-              </a:spcBef>
-              <a:spcAft>
-                <a:spcPts val="0"/>
-              </a:spcAft>
-              <a:buSzPts val="1400"/>
-              <a:buChar char="●"/>
-            </a:pPr>
+            <a:pPr lvl="0"/>
             <a:r>
               <a:rPr lang="en" b="1" dirty="0"/>
               <a:t>S</a:t>
@@ -9557,21 +9183,12 @@
             </a:r>
             <a:r>
               <a:rPr lang="en-US" b="1" dirty="0"/>
-              <a:t> layer</a:t>
+              <a:t> layer:</a:t>
             </a:r>
-            <a:endParaRPr b="1" dirty="0"/>
-          </a:p>
-          <a:p>
-            <a:pPr marL="139700" lvl="0" indent="0" algn="l" rtl="0">
-              <a:spcBef>
-                <a:spcPts val="0"/>
-              </a:spcBef>
-              <a:spcAft>
-                <a:spcPts val="0"/>
-              </a:spcAft>
-              <a:buSzPts val="1400"/>
-              <a:buNone/>
-            </a:pPr>
+            <a:r>
+              <a:rPr lang="en-GB" dirty="0"/>
+              <a:t> consists of data that can be readily served to consumer applications. Hence this is mostly the processed data. The processed data in this layer could be exposed via any of the data repositories and multiple protocols.</a:t>
+            </a:r>
             <a:endParaRPr dirty="0"/>
           </a:p>
         </p:txBody>
@@ -9659,7 +9276,7 @@
 </p:sld>
 </file>
 
-<file path=ppt/slides/slide5.xml><?xml version="1.0" encoding="utf-8"?>
+<file path=ppt/slides/slide4.xml><?xml version="1.0" encoding="utf-8"?>
 <p:sld xmlns:a="http://schemas.openxmlformats.org/drawingml/2006/main" xmlns:r="http://schemas.openxmlformats.org/officeDocument/2006/relationships" xmlns:p="http://schemas.openxmlformats.org/presentationml/2006/main">
   <p:cSld>
     <p:spTree>
@@ -9726,7 +9343,7 @@
 </p:sld>
 </file>
 
-<file path=ppt/slides/slide6.xml><?xml version="1.0" encoding="utf-8"?>
+<file path=ppt/slides/slide5.xml><?xml version="1.0" encoding="utf-8"?>
 <p:sld xmlns:a="http://schemas.openxmlformats.org/drawingml/2006/main" xmlns:r="http://schemas.openxmlformats.org/officeDocument/2006/relationships" xmlns:p="http://schemas.openxmlformats.org/presentationml/2006/main">
   <p:cSld>
     <p:spTree>
@@ -10255,7 +9872,7 @@
 </p:sld>
 </file>
 
-<file path=ppt/slides/slide7.xml><?xml version="1.0" encoding="utf-8"?>
+<file path=ppt/slides/slide6.xml><?xml version="1.0" encoding="utf-8"?>
 <p:sld xmlns:a="http://schemas.openxmlformats.org/drawingml/2006/main" xmlns:r="http://schemas.openxmlformats.org/officeDocument/2006/relationships" xmlns:p="http://schemas.openxmlformats.org/presentationml/2006/main">
   <p:cSld>
     <p:spTree>
@@ -10428,7 +10045,7 @@
 </p:sld>
 </file>
 
-<file path=ppt/slides/slide8.xml><?xml version="1.0" encoding="utf-8"?>
+<file path=ppt/slides/slide7.xml><?xml version="1.0" encoding="utf-8"?>
 <p:sld xmlns:a="http://schemas.openxmlformats.org/drawingml/2006/main" xmlns:r="http://schemas.openxmlformats.org/officeDocument/2006/relationships" xmlns:p="http://schemas.openxmlformats.org/presentationml/2006/main">
   <p:cSld>
     <p:spTree>
@@ -10525,7 +10142,7 @@
 </p:sld>
 </file>
 
-<file path=ppt/slides/slide9.xml><?xml version="1.0" encoding="utf-8"?>
+<file path=ppt/slides/slide8.xml><?xml version="1.0" encoding="utf-8"?>
 <p:sld xmlns:a="http://schemas.openxmlformats.org/drawingml/2006/main" xmlns:r="http://schemas.openxmlformats.org/officeDocument/2006/relationships" xmlns:p="http://schemas.openxmlformats.org/presentationml/2006/main">
   <p:cSld>
     <p:spTree>
